--- a/map/maps.pptx
+++ b/map/maps.pptx
@@ -11,6 +11,8 @@
     <p:sldId id="259" r:id="rId5"/>
     <p:sldId id="260" r:id="rId6"/>
     <p:sldId id="261" r:id="rId7"/>
+    <p:sldId id="262" r:id="rId8"/>
+    <p:sldId id="263" r:id="rId9"/>
   </p:sldIdLst>
   <p:sldSz cx="6858000" cy="6858000"/>
   <p:notesSz cx="6858000" cy="9144000"/>
@@ -109,6 +111,11 @@
       </a:defRPr>
     </a:lvl9pPr>
   </p:defaultTextStyle>
+  <p:extLst>
+    <p:ext uri="{EFAFB233-063F-42B5-8137-9DF3F51BA10A}">
+      <p15:sldGuideLst xmlns:p15="http://schemas.microsoft.com/office/powerpoint/2012/main"/>
+    </p:ext>
+  </p:extLst>
 </p:presentation>
 </file>
 
@@ -243,7 +250,7 @@
           <a:p>
             <a:fld id="{F6B934AD-8A25-4E4F-A82C-15AC4325943D}" type="datetimeFigureOut">
               <a:rPr lang="en-IN" smtClean="0"/>
-              <a:t>08-01-2024</a:t>
+              <a:t>10-01-2024</a:t>
             </a:fld>
             <a:endParaRPr lang="en-IN"/>
           </a:p>
@@ -413,7 +420,7 @@
           <a:p>
             <a:fld id="{F6B934AD-8A25-4E4F-A82C-15AC4325943D}" type="datetimeFigureOut">
               <a:rPr lang="en-IN" smtClean="0"/>
-              <a:t>08-01-2024</a:t>
+              <a:t>10-01-2024</a:t>
             </a:fld>
             <a:endParaRPr lang="en-IN"/>
           </a:p>
@@ -593,7 +600,7 @@
           <a:p>
             <a:fld id="{F6B934AD-8A25-4E4F-A82C-15AC4325943D}" type="datetimeFigureOut">
               <a:rPr lang="en-IN" smtClean="0"/>
-              <a:t>08-01-2024</a:t>
+              <a:t>10-01-2024</a:t>
             </a:fld>
             <a:endParaRPr lang="en-IN"/>
           </a:p>
@@ -763,7 +770,7 @@
           <a:p>
             <a:fld id="{F6B934AD-8A25-4E4F-A82C-15AC4325943D}" type="datetimeFigureOut">
               <a:rPr lang="en-IN" smtClean="0"/>
-              <a:t>08-01-2024</a:t>
+              <a:t>10-01-2024</a:t>
             </a:fld>
             <a:endParaRPr lang="en-IN"/>
           </a:p>
@@ -1007,7 +1014,7 @@
           <a:p>
             <a:fld id="{F6B934AD-8A25-4E4F-A82C-15AC4325943D}" type="datetimeFigureOut">
               <a:rPr lang="en-IN" smtClean="0"/>
-              <a:t>08-01-2024</a:t>
+              <a:t>10-01-2024</a:t>
             </a:fld>
             <a:endParaRPr lang="en-IN"/>
           </a:p>
@@ -1239,7 +1246,7 @@
           <a:p>
             <a:fld id="{F6B934AD-8A25-4E4F-A82C-15AC4325943D}" type="datetimeFigureOut">
               <a:rPr lang="en-IN" smtClean="0"/>
-              <a:t>08-01-2024</a:t>
+              <a:t>10-01-2024</a:t>
             </a:fld>
             <a:endParaRPr lang="en-IN"/>
           </a:p>
@@ -1606,7 +1613,7 @@
           <a:p>
             <a:fld id="{F6B934AD-8A25-4E4F-A82C-15AC4325943D}" type="datetimeFigureOut">
               <a:rPr lang="en-IN" smtClean="0"/>
-              <a:t>08-01-2024</a:t>
+              <a:t>10-01-2024</a:t>
             </a:fld>
             <a:endParaRPr lang="en-IN"/>
           </a:p>
@@ -1724,7 +1731,7 @@
           <a:p>
             <a:fld id="{F6B934AD-8A25-4E4F-A82C-15AC4325943D}" type="datetimeFigureOut">
               <a:rPr lang="en-IN" smtClean="0"/>
-              <a:t>08-01-2024</a:t>
+              <a:t>10-01-2024</a:t>
             </a:fld>
             <a:endParaRPr lang="en-IN"/>
           </a:p>
@@ -1819,7 +1826,7 @@
           <a:p>
             <a:fld id="{F6B934AD-8A25-4E4F-A82C-15AC4325943D}" type="datetimeFigureOut">
               <a:rPr lang="en-IN" smtClean="0"/>
-              <a:t>08-01-2024</a:t>
+              <a:t>10-01-2024</a:t>
             </a:fld>
             <a:endParaRPr lang="en-IN"/>
           </a:p>
@@ -2096,7 +2103,7 @@
           <a:p>
             <a:fld id="{F6B934AD-8A25-4E4F-A82C-15AC4325943D}" type="datetimeFigureOut">
               <a:rPr lang="en-IN" smtClean="0"/>
-              <a:t>08-01-2024</a:t>
+              <a:t>10-01-2024</a:t>
             </a:fld>
             <a:endParaRPr lang="en-IN"/>
           </a:p>
@@ -2353,7 +2360,7 @@
           <a:p>
             <a:fld id="{F6B934AD-8A25-4E4F-A82C-15AC4325943D}" type="datetimeFigureOut">
               <a:rPr lang="en-IN" smtClean="0"/>
-              <a:t>08-01-2024</a:t>
+              <a:t>10-01-2024</a:t>
             </a:fld>
             <a:endParaRPr lang="en-IN"/>
           </a:p>
@@ -2566,7 +2573,7 @@
           <a:p>
             <a:fld id="{F6B934AD-8A25-4E4F-A82C-15AC4325943D}" type="datetimeFigureOut">
               <a:rPr lang="en-IN" smtClean="0"/>
-              <a:t>08-01-2024</a:t>
+              <a:t>10-01-2024</a:t>
             </a:fld>
             <a:endParaRPr lang="en-IN"/>
           </a:p>
@@ -4724,6 +4731,537 @@
 </p:sld>
 </file>
 
+<file path=ppt/slides/slide7.xml><?xml version="1.0" encoding="utf-8"?>
+<p:sld xmlns:a="http://schemas.openxmlformats.org/drawingml/2006/main" xmlns:r="http://schemas.openxmlformats.org/officeDocument/2006/relationships" xmlns:p="http://schemas.openxmlformats.org/presentationml/2006/main">
+  <p:cSld>
+    <p:bg>
+      <p:bgPr>
+        <a:solidFill>
+          <a:schemeClr val="accent1">
+            <a:lumMod val="60000"/>
+            <a:lumOff val="40000"/>
+          </a:schemeClr>
+        </a:solidFill>
+        <a:effectLst/>
+      </p:bgPr>
+    </p:bg>
+    <p:spTree>
+      <p:nvGrpSpPr>
+        <p:cNvPr id="1" name=""/>
+        <p:cNvGrpSpPr/>
+        <p:nvPr/>
+      </p:nvGrpSpPr>
+      <p:grpSpPr>
+        <a:xfrm>
+          <a:off x="0" y="0"/>
+          <a:ext cx="0" cy="0"/>
+          <a:chOff x="0" y="0"/>
+          <a:chExt cx="0" cy="0"/>
+        </a:xfrm>
+      </p:grpSpPr>
+      <p:sp>
+        <p:nvSpPr>
+          <p:cNvPr id="7" name="Rectangle 6"/>
+          <p:cNvSpPr/>
+          <p:nvPr/>
+        </p:nvSpPr>
+        <p:spPr>
+          <a:xfrm>
+            <a:off x="0" y="0"/>
+            <a:ext cx="6858000" cy="6858000"/>
+          </a:xfrm>
+          <a:prstGeom prst="rect">
+            <a:avLst/>
+          </a:prstGeom>
+          <a:solidFill>
+            <a:schemeClr val="accent1">
+              <a:lumMod val="60000"/>
+              <a:lumOff val="40000"/>
+            </a:schemeClr>
+          </a:solidFill>
+          <a:ln>
+            <a:noFill/>
+          </a:ln>
+        </p:spPr>
+        <p:style>
+          <a:lnRef idx="2">
+            <a:schemeClr val="accent1">
+              <a:shade val="50000"/>
+            </a:schemeClr>
+          </a:lnRef>
+          <a:fillRef idx="1">
+            <a:schemeClr val="accent1"/>
+          </a:fillRef>
+          <a:effectRef idx="0">
+            <a:schemeClr val="accent1"/>
+          </a:effectRef>
+          <a:fontRef idx="minor">
+            <a:schemeClr val="lt1"/>
+          </a:fontRef>
+        </p:style>
+        <p:txBody>
+          <a:bodyPr rtlCol="0" anchor="ctr"/>
+          <a:lstStyle/>
+          <a:p>
+            <a:pPr algn="ctr"/>
+            <a:endParaRPr lang="en-IN"/>
+          </a:p>
+        </p:txBody>
+      </p:sp>
+      <p:sp>
+        <p:nvSpPr>
+          <p:cNvPr id="6" name="Oval 5"/>
+          <p:cNvSpPr/>
+          <p:nvPr/>
+        </p:nvSpPr>
+        <p:spPr>
+          <a:xfrm>
+            <a:off x="2971800" y="3553691"/>
+            <a:ext cx="914400" cy="914400"/>
+          </a:xfrm>
+          <a:prstGeom prst="ellipse">
+            <a:avLst/>
+          </a:prstGeom>
+          <a:solidFill>
+            <a:srgbClr val="FF0000"/>
+          </a:solidFill>
+          <a:ln>
+            <a:noFill/>
+          </a:ln>
+        </p:spPr>
+        <p:style>
+          <a:lnRef idx="2">
+            <a:schemeClr val="accent1">
+              <a:shade val="50000"/>
+            </a:schemeClr>
+          </a:lnRef>
+          <a:fillRef idx="1">
+            <a:schemeClr val="accent1"/>
+          </a:fillRef>
+          <a:effectRef idx="0">
+            <a:schemeClr val="accent1"/>
+          </a:effectRef>
+          <a:fontRef idx="minor">
+            <a:schemeClr val="lt1"/>
+          </a:fontRef>
+        </p:style>
+        <p:txBody>
+          <a:bodyPr rtlCol="0" anchor="ctr"/>
+          <a:lstStyle/>
+          <a:p>
+            <a:pPr algn="ctr"/>
+            <a:endParaRPr lang="en-IN"/>
+          </a:p>
+        </p:txBody>
+      </p:sp>
+      <p:sp>
+        <p:nvSpPr>
+          <p:cNvPr id="11" name="Oval 10"/>
+          <p:cNvSpPr/>
+          <p:nvPr/>
+        </p:nvSpPr>
+        <p:spPr>
+          <a:xfrm>
+            <a:off x="2971800" y="2552700"/>
+            <a:ext cx="914400" cy="914400"/>
+          </a:xfrm>
+          <a:prstGeom prst="ellipse">
+            <a:avLst/>
+          </a:prstGeom>
+          <a:solidFill>
+            <a:srgbClr val="002060"/>
+          </a:solidFill>
+          <a:ln>
+            <a:noFill/>
+          </a:ln>
+        </p:spPr>
+        <p:style>
+          <a:lnRef idx="2">
+            <a:schemeClr val="accent1">
+              <a:shade val="50000"/>
+            </a:schemeClr>
+          </a:lnRef>
+          <a:fillRef idx="1">
+            <a:schemeClr val="accent1"/>
+          </a:fillRef>
+          <a:effectRef idx="0">
+            <a:schemeClr val="accent1"/>
+          </a:effectRef>
+          <a:fontRef idx="minor">
+            <a:schemeClr val="lt1"/>
+          </a:fontRef>
+        </p:style>
+        <p:txBody>
+          <a:bodyPr rtlCol="0" anchor="ctr"/>
+          <a:lstStyle/>
+          <a:p>
+            <a:pPr algn="ctr"/>
+            <a:endParaRPr lang="en-IN"/>
+          </a:p>
+        </p:txBody>
+      </p:sp>
+      <p:sp>
+        <p:nvSpPr>
+          <p:cNvPr id="13" name="Rectangle 12"/>
+          <p:cNvSpPr/>
+          <p:nvPr/>
+        </p:nvSpPr>
+        <p:spPr>
+          <a:xfrm>
+            <a:off x="0" y="0"/>
+            <a:ext cx="2286000" cy="6858000"/>
+          </a:xfrm>
+          <a:prstGeom prst="rect">
+            <a:avLst/>
+          </a:prstGeom>
+          <a:ln>
+            <a:noFill/>
+          </a:ln>
+        </p:spPr>
+        <p:style>
+          <a:lnRef idx="2">
+            <a:schemeClr val="accent1">
+              <a:shade val="50000"/>
+            </a:schemeClr>
+          </a:lnRef>
+          <a:fillRef idx="1">
+            <a:schemeClr val="accent1"/>
+          </a:fillRef>
+          <a:effectRef idx="0">
+            <a:schemeClr val="accent1"/>
+          </a:effectRef>
+          <a:fontRef idx="minor">
+            <a:schemeClr val="lt1"/>
+          </a:fontRef>
+        </p:style>
+        <p:txBody>
+          <a:bodyPr rtlCol="0" anchor="ctr"/>
+          <a:lstStyle/>
+          <a:p>
+            <a:pPr algn="ctr"/>
+            <a:endParaRPr lang="en-IN"/>
+          </a:p>
+        </p:txBody>
+      </p:sp>
+      <p:sp>
+        <p:nvSpPr>
+          <p:cNvPr id="14" name="Rectangle 13"/>
+          <p:cNvSpPr/>
+          <p:nvPr/>
+        </p:nvSpPr>
+        <p:spPr>
+          <a:xfrm>
+            <a:off x="4572000" y="0"/>
+            <a:ext cx="2286000" cy="6858000"/>
+          </a:xfrm>
+          <a:prstGeom prst="rect">
+            <a:avLst/>
+          </a:prstGeom>
+          <a:ln>
+            <a:noFill/>
+          </a:ln>
+        </p:spPr>
+        <p:style>
+          <a:lnRef idx="2">
+            <a:schemeClr val="accent1">
+              <a:shade val="50000"/>
+            </a:schemeClr>
+          </a:lnRef>
+          <a:fillRef idx="1">
+            <a:schemeClr val="accent1"/>
+          </a:fillRef>
+          <a:effectRef idx="0">
+            <a:schemeClr val="accent1"/>
+          </a:effectRef>
+          <a:fontRef idx="minor">
+            <a:schemeClr val="lt1"/>
+          </a:fontRef>
+        </p:style>
+        <p:txBody>
+          <a:bodyPr rtlCol="0" anchor="ctr"/>
+          <a:lstStyle/>
+          <a:p>
+            <a:pPr algn="ctr"/>
+            <a:endParaRPr lang="en-IN"/>
+          </a:p>
+        </p:txBody>
+      </p:sp>
+    </p:spTree>
+    <p:extLst>
+      <p:ext uri="{BB962C8B-B14F-4D97-AF65-F5344CB8AC3E}">
+        <p14:creationId xmlns:p14="http://schemas.microsoft.com/office/powerpoint/2010/main" val="3138147412"/>
+      </p:ext>
+    </p:extLst>
+  </p:cSld>
+  <p:clrMapOvr>
+    <a:masterClrMapping/>
+  </p:clrMapOvr>
+</p:sld>
+</file>
+
+<file path=ppt/slides/slide8.xml><?xml version="1.0" encoding="utf-8"?>
+<p:sld xmlns:a="http://schemas.openxmlformats.org/drawingml/2006/main" xmlns:r="http://schemas.openxmlformats.org/officeDocument/2006/relationships" xmlns:p="http://schemas.openxmlformats.org/presentationml/2006/main">
+  <p:cSld>
+    <p:bg>
+      <p:bgPr>
+        <a:solidFill>
+          <a:schemeClr val="accent1">
+            <a:lumMod val="60000"/>
+            <a:lumOff val="40000"/>
+          </a:schemeClr>
+        </a:solidFill>
+        <a:effectLst/>
+      </p:bgPr>
+    </p:bg>
+    <p:spTree>
+      <p:nvGrpSpPr>
+        <p:cNvPr id="1" name=""/>
+        <p:cNvGrpSpPr/>
+        <p:nvPr/>
+      </p:nvGrpSpPr>
+      <p:grpSpPr>
+        <a:xfrm>
+          <a:off x="0" y="0"/>
+          <a:ext cx="0" cy="0"/>
+          <a:chOff x="0" y="0"/>
+          <a:chExt cx="0" cy="0"/>
+        </a:xfrm>
+      </p:grpSpPr>
+      <p:sp>
+        <p:nvSpPr>
+          <p:cNvPr id="7" name="Rectangle 6"/>
+          <p:cNvSpPr/>
+          <p:nvPr/>
+        </p:nvSpPr>
+        <p:spPr>
+          <a:xfrm>
+            <a:off x="0" y="0"/>
+            <a:ext cx="6858000" cy="6858000"/>
+          </a:xfrm>
+          <a:prstGeom prst="rect">
+            <a:avLst/>
+          </a:prstGeom>
+          <a:solidFill>
+            <a:schemeClr val="accent1">
+              <a:lumMod val="60000"/>
+              <a:lumOff val="40000"/>
+            </a:schemeClr>
+          </a:solidFill>
+          <a:ln>
+            <a:noFill/>
+          </a:ln>
+        </p:spPr>
+        <p:style>
+          <a:lnRef idx="2">
+            <a:schemeClr val="accent1">
+              <a:shade val="50000"/>
+            </a:schemeClr>
+          </a:lnRef>
+          <a:fillRef idx="1">
+            <a:schemeClr val="accent1"/>
+          </a:fillRef>
+          <a:effectRef idx="0">
+            <a:schemeClr val="accent1"/>
+          </a:effectRef>
+          <a:fontRef idx="minor">
+            <a:schemeClr val="lt1"/>
+          </a:fontRef>
+        </p:style>
+        <p:txBody>
+          <a:bodyPr rtlCol="0" anchor="ctr"/>
+          <a:lstStyle/>
+          <a:p>
+            <a:pPr algn="ctr"/>
+            <a:endParaRPr lang="en-IN"/>
+          </a:p>
+        </p:txBody>
+      </p:sp>
+      <p:sp>
+        <p:nvSpPr>
+          <p:cNvPr id="11" name="Oval 10"/>
+          <p:cNvSpPr/>
+          <p:nvPr/>
+        </p:nvSpPr>
+        <p:spPr>
+          <a:xfrm>
+            <a:off x="2971800" y="2552700"/>
+            <a:ext cx="914400" cy="914400"/>
+          </a:xfrm>
+          <a:prstGeom prst="ellipse">
+            <a:avLst/>
+          </a:prstGeom>
+          <a:solidFill>
+            <a:srgbClr val="002060"/>
+          </a:solidFill>
+          <a:ln>
+            <a:noFill/>
+          </a:ln>
+        </p:spPr>
+        <p:style>
+          <a:lnRef idx="2">
+            <a:schemeClr val="accent1">
+              <a:shade val="50000"/>
+            </a:schemeClr>
+          </a:lnRef>
+          <a:fillRef idx="1">
+            <a:schemeClr val="accent1"/>
+          </a:fillRef>
+          <a:effectRef idx="0">
+            <a:schemeClr val="accent1"/>
+          </a:effectRef>
+          <a:fontRef idx="minor">
+            <a:schemeClr val="lt1"/>
+          </a:fontRef>
+        </p:style>
+        <p:txBody>
+          <a:bodyPr rtlCol="0" anchor="ctr"/>
+          <a:lstStyle/>
+          <a:p>
+            <a:pPr algn="ctr"/>
+            <a:endParaRPr lang="en-IN"/>
+          </a:p>
+        </p:txBody>
+      </p:sp>
+      <p:sp>
+        <p:nvSpPr>
+          <p:cNvPr id="13" name="Rectangle 12"/>
+          <p:cNvSpPr/>
+          <p:nvPr/>
+        </p:nvSpPr>
+        <p:spPr>
+          <a:xfrm>
+            <a:off x="0" y="0"/>
+            <a:ext cx="2286000" cy="6858000"/>
+          </a:xfrm>
+          <a:prstGeom prst="rect">
+            <a:avLst/>
+          </a:prstGeom>
+          <a:ln>
+            <a:noFill/>
+          </a:ln>
+        </p:spPr>
+        <p:style>
+          <a:lnRef idx="2">
+            <a:schemeClr val="accent1">
+              <a:shade val="50000"/>
+            </a:schemeClr>
+          </a:lnRef>
+          <a:fillRef idx="1">
+            <a:schemeClr val="accent1"/>
+          </a:fillRef>
+          <a:effectRef idx="0">
+            <a:schemeClr val="accent1"/>
+          </a:effectRef>
+          <a:fontRef idx="minor">
+            <a:schemeClr val="lt1"/>
+          </a:fontRef>
+        </p:style>
+        <p:txBody>
+          <a:bodyPr rtlCol="0" anchor="ctr"/>
+          <a:lstStyle/>
+          <a:p>
+            <a:pPr algn="ctr"/>
+            <a:endParaRPr lang="en-IN"/>
+          </a:p>
+        </p:txBody>
+      </p:sp>
+      <p:sp>
+        <p:nvSpPr>
+          <p:cNvPr id="14" name="Rectangle 13"/>
+          <p:cNvSpPr/>
+          <p:nvPr/>
+        </p:nvSpPr>
+        <p:spPr>
+          <a:xfrm>
+            <a:off x="4572000" y="0"/>
+            <a:ext cx="2286000" cy="6858000"/>
+          </a:xfrm>
+          <a:prstGeom prst="rect">
+            <a:avLst/>
+          </a:prstGeom>
+          <a:ln>
+            <a:noFill/>
+          </a:ln>
+        </p:spPr>
+        <p:style>
+          <a:lnRef idx="2">
+            <a:schemeClr val="accent1">
+              <a:shade val="50000"/>
+            </a:schemeClr>
+          </a:lnRef>
+          <a:fillRef idx="1">
+            <a:schemeClr val="accent1"/>
+          </a:fillRef>
+          <a:effectRef idx="0">
+            <a:schemeClr val="accent1"/>
+          </a:effectRef>
+          <a:fontRef idx="minor">
+            <a:schemeClr val="lt1"/>
+          </a:fontRef>
+        </p:style>
+        <p:txBody>
+          <a:bodyPr rtlCol="0" anchor="ctr"/>
+          <a:lstStyle/>
+          <a:p>
+            <a:pPr algn="ctr"/>
+            <a:endParaRPr lang="en-IN"/>
+          </a:p>
+        </p:txBody>
+      </p:sp>
+      <p:sp>
+        <p:nvSpPr>
+          <p:cNvPr id="8" name="TextBox 7"/>
+          <p:cNvSpPr txBox="1"/>
+          <p:nvPr/>
+        </p:nvSpPr>
+        <p:spPr>
+          <a:xfrm>
+            <a:off x="630798" y="3013502"/>
+            <a:ext cx="5596404" cy="830997"/>
+          </a:xfrm>
+          <a:prstGeom prst="rect">
+            <a:avLst/>
+          </a:prstGeom>
+          <a:noFill/>
+        </p:spPr>
+        <p:txBody>
+          <a:bodyPr wrap="none" rtlCol="0">
+            <a:spAutoFit/>
+          </a:bodyPr>
+          <a:lstStyle/>
+          <a:p>
+            <a:pPr algn="ctr"/>
+            <a:r>
+              <a:rPr lang="en-US" sz="4800" b="1" dirty="0" smtClean="0">
+                <a:solidFill>
+                  <a:srgbClr val="FF0000"/>
+                </a:solidFill>
+                <a:latin typeface="Consolas" panose="020B0609020204030204" pitchFamily="49" charset="0"/>
+              </a:rPr>
+              <a:t>G A M E  O V E R</a:t>
+            </a:r>
+            <a:endParaRPr lang="en-IN" sz="4800" b="1" dirty="0">
+              <a:solidFill>
+                <a:srgbClr val="FF0000"/>
+              </a:solidFill>
+              <a:latin typeface="Consolas" panose="020B0609020204030204" pitchFamily="49" charset="0"/>
+            </a:endParaRPr>
+          </a:p>
+        </p:txBody>
+      </p:sp>
+    </p:spTree>
+    <p:extLst>
+      <p:ext uri="{BB962C8B-B14F-4D97-AF65-F5344CB8AC3E}">
+        <p14:creationId xmlns:p14="http://schemas.microsoft.com/office/powerpoint/2010/main" val="2772912911"/>
+      </p:ext>
+    </p:extLst>
+  </p:cSld>
+  <p:clrMapOvr>
+    <a:masterClrMapping/>
+  </p:clrMapOvr>
+</p:sld>
+</file>
+
 <file path=ppt/theme/theme1.xml><?xml version="1.0" encoding="utf-8"?>
 <a:theme xmlns:a="http://schemas.openxmlformats.org/drawingml/2006/main" name="Office Theme">
   <a:themeElements>
